--- a/Slides/Lesson 3.3 The Iterative Design Recipe.pptx
+++ b/Slides/Lesson 3.3 The Iterative Design Recipe.pptx
@@ -157,6 +157,10 @@
 </p:presentation>
 </file>
 
+<file path=ppt/revisionInfo.xml><?xml version="1.0" encoding="utf-8"?>
+<p1510:revInfo xmlns:a="http://schemas.openxmlformats.org/drawingml/2006/main" xmlns:r="http://schemas.openxmlformats.org/officeDocument/2006/relationships" xmlns:p1510="http://schemas.microsoft.com/office/powerpoint/2015/10/main"/>
+</file>
+
 <file path=ppt/notesMasters/notesMaster1.xml><?xml version="1.0" encoding="utf-8"?>
 <p:notesMaster xmlns:a="http://schemas.openxmlformats.org/drawingml/2006/main" xmlns:r="http://schemas.openxmlformats.org/officeDocument/2006/relationships" xmlns:p="http://schemas.openxmlformats.org/presentationml/2006/main">
   <p:cSld>
@@ -240,7 +244,7 @@
             <a:fld id="{CF8F25F6-E1EF-4065-8525-42EDEBD9BD22}" type="datetimeFigureOut">
               <a:rPr lang="en-US" smtClean="0"/>
               <a:pPr/>
-              <a:t>8/2/2017</a:t>
+              <a:t>10/6/2017</a:t>
             </a:fld>
             <a:endParaRPr lang="en-US"/>
           </a:p>
@@ -887,7 +891,7 @@
           <a:p>
             <a:fld id="{5BD94FF1-2CFB-4EFF-9C47-F7A96480AD97}" type="datetime1">
               <a:rPr lang="en-US" smtClean="0"/>
-              <a:t>8/2/2017</a:t>
+              <a:t>10/6/2017</a:t>
             </a:fld>
             <a:endParaRPr lang="en-US"/>
           </a:p>
@@ -982,7 +986,7 @@
           <a:p>
             <a:fld id="{4EF29BE0-8F73-4845-8D35-47D13C535AF2}" type="datetime1">
               <a:rPr lang="en-US" smtClean="0"/>
-              <a:t>8/2/2017</a:t>
+              <a:t>10/6/2017</a:t>
             </a:fld>
             <a:endParaRPr lang="en-US"/>
           </a:p>
@@ -1257,7 +1261,7 @@
           <a:p>
             <a:fld id="{FB8D566C-E766-4BBF-AE5F-BC13B5DFB36F}" type="datetime1">
               <a:rPr lang="en-US" smtClean="0"/>
-              <a:t>8/2/2017</a:t>
+              <a:t>10/6/2017</a:t>
             </a:fld>
             <a:endParaRPr lang="en-US"/>
           </a:p>
@@ -1509,7 +1513,7 @@
           <a:p>
             <a:fld id="{5E78A02A-854C-44E8-A453-9D2196E13A65}" type="datetime1">
               <a:rPr lang="en-US" smtClean="0"/>
-              <a:t>8/2/2017</a:t>
+              <a:t>10/6/2017</a:t>
             </a:fld>
             <a:endParaRPr lang="en-US"/>
           </a:p>
@@ -1677,7 +1681,7 @@
           <a:p>
             <a:fld id="{41CAA29A-CA0B-4551-9D4E-C1EA7EFEB3C9}" type="datetime1">
               <a:rPr lang="en-US" smtClean="0"/>
-              <a:t>8/2/2017</a:t>
+              <a:t>10/6/2017</a:t>
             </a:fld>
             <a:endParaRPr lang="en-US"/>
           </a:p>
@@ -1855,7 +1859,7 @@
           <a:p>
             <a:fld id="{D1C4437C-E561-49F0-A4E0-D3218DEB90B8}" type="datetime1">
               <a:rPr lang="en-US" smtClean="0"/>
-              <a:t>8/2/2017</a:t>
+              <a:t>10/6/2017</a:t>
             </a:fld>
             <a:endParaRPr lang="en-US"/>
           </a:p>
@@ -2029,7 +2033,7 @@
           <a:p>
             <a:fld id="{EFB02A12-8D17-4309-9DBC-DE80FBF17AA8}" type="datetime1">
               <a:rPr lang="en-US" smtClean="0"/>
-              <a:t>8/2/2017</a:t>
+              <a:t>10/6/2017</a:t>
             </a:fld>
             <a:endParaRPr lang="en-US"/>
           </a:p>
@@ -2202,7 +2206,7 @@
           <a:p>
             <a:fld id="{405635ED-0D1E-40EB-B672-319B51AF082D}" type="datetime1">
               <a:rPr lang="en-US" smtClean="0"/>
-              <a:t>8/2/2017</a:t>
+              <a:t>10/6/2017</a:t>
             </a:fld>
             <a:endParaRPr lang="en-US"/>
           </a:p>
@@ -2462,7 +2466,7 @@
           <a:p>
             <a:fld id="{9C4D523F-9FD2-4F99-AE6A-5D4CF8E1EAC0}" type="datetime1">
               <a:rPr lang="en-US" smtClean="0"/>
-              <a:t>8/2/2017</a:t>
+              <a:t>10/6/2017</a:t>
             </a:fld>
             <a:endParaRPr lang="en-US"/>
           </a:p>
@@ -2638,7 +2642,7 @@
           <a:p>
             <a:fld id="{95ED224F-C888-43CC-95B4-07D174D2ACC3}" type="datetime1">
               <a:rPr lang="en-US" smtClean="0"/>
-              <a:t>8/2/2017</a:t>
+              <a:t>10/6/2017</a:t>
             </a:fld>
             <a:endParaRPr lang="en-US"/>
           </a:p>
@@ -2932,7 +2936,7 @@
           <a:p>
             <a:fld id="{C39B90A9-1C43-4BAD-A088-E791992E0FFE}" type="datetime1">
               <a:rPr lang="en-US" smtClean="0"/>
-              <a:t>8/2/2017</a:t>
+              <a:t>10/6/2017</a:t>
             </a:fld>
             <a:endParaRPr lang="en-US"/>
           </a:p>
@@ -3217,7 +3221,7 @@
           <a:p>
             <a:fld id="{1CBCE65A-D548-441D-9CCA-F3277E55A5A8}" type="datetime1">
               <a:rPr lang="en-US" smtClean="0"/>
-              <a:t>8/2/2017</a:t>
+              <a:t>10/6/2017</a:t>
             </a:fld>
             <a:endParaRPr lang="en-US"/>
           </a:p>
@@ -3636,7 +3640,7 @@
           <a:p>
             <a:fld id="{D70BEEC4-A792-4467-97A6-0C913164F4F7}" type="datetime1">
               <a:rPr lang="en-US" smtClean="0"/>
-              <a:t>8/2/2017</a:t>
+              <a:t>10/6/2017</a:t>
             </a:fld>
             <a:endParaRPr lang="en-US"/>
           </a:p>
@@ -3753,7 +3757,7 @@
           <a:p>
             <a:fld id="{27E5AA17-EA7F-4B89-A61B-12529B314781}" type="datetime1">
               <a:rPr lang="en-US" smtClean="0"/>
-              <a:t>8/2/2017</a:t>
+              <a:t>10/6/2017</a:t>
             </a:fld>
             <a:endParaRPr lang="en-US"/>
           </a:p>
@@ -3976,7 +3980,7 @@
           <a:p>
             <a:fld id="{476D3A80-EC65-47C4-9EA9-1E687F3E6B5B}" type="datetime1">
               <a:rPr lang="en-US" smtClean="0"/>
-              <a:t>8/2/2017</a:t>
+              <a:t>10/6/2017</a:t>
             </a:fld>
             <a:endParaRPr lang="en-US"/>
           </a:p>
@@ -6342,7 +6346,8 @@
             <a:solidFill>
               <a:schemeClr val="tx1"/>
             </a:solidFill>
-            <a:tailEnd type="triangle"/>
+            <a:headEnd type="triangle"/>
+            <a:tailEnd type="none"/>
           </a:ln>
         </p:spPr>
         <p:style>
@@ -7582,10 +7587,6 @@
               </a:rPr>
               <a:t>      (world-selected? w)))</a:t>
             </a:r>
-            <a:endParaRPr lang="en-US" sz="2000" b="1" dirty="0">
-              <a:latin typeface="Consolas" pitchFamily="49" charset="0"/>
-              <a:cs typeface="Consolas" pitchFamily="49" charset="0"/>
-            </a:endParaRPr>
           </a:p>
         </p:txBody>
       </p:sp>
